--- a/PPT/Day_13.pptx
+++ b/PPT/Day_13.pptx
@@ -421,7 +421,7 @@
   </inkml:definitions>
   <inkml:trace contextRef="#ctx0" brushRef="#br0">130 590,'4'83,"5"0,3-1,10 31,2 17,-21-115,-1-9,-1-1,0 1,-1 0,1 0,-1 1,0 4,0-10</inkml:trace>
   <inkml:trace contextRef="#ctx0" brushRef="#br0" timeOffset="451">0 890,'23'-3,"-3"-1,-1-1,1 0,-1-2,0 0,0-1,-1-1,0-1,-1 0,0-1,-1-1,0-1,0 0,3-5,-16 13,-1 2</inkml:trace>
-  <inkml:trace contextRef="#ctx0" brushRef="#br0" timeOffset="1152.09">416 759,'-10'-1,"-1"2,0-1,1 1,-1 1,1 0,-1 0,-1 2,8-3,0 1,0 0,1 0,-1 0,0 1,1-1,0 1,0 0,0 0,0 0,0 0,0 0,1 1,0-1,-1 1,1 0,1 0,-1 0,0 2,-1 2,1 1,0 0,0 0,1 0,1 0,-1 0,1 1,1-1,0 0,0 0,1 0,2 6,-4-12,1 0,0 0,-1-1,2 1,-1-1,0 1,0-1,1 1,-1-1,1 0,0 0,0 0,-1 0,1 0,1 0,-1 0,0-1,0 1,1-1,-1 1,1-1,-1 0,1 0,-1 0,1 0,0-1,0 1,-1-1,1 1,0-1,0 0,-1 0,1-1,0 1,0 0,-1-1,1 0,0 1,-1-1,1 0,0 0,1-2,1 1,0-1,-1 0,1 0,-1-1,1 1,-1-1,-1 0,1 0,0 0,-1 0,0-1,0 0,0 1,-1-1,1 0,-1 0,-1 0,1-1,-1 1,1 0,-1-1,-1 1,1-4,0 0,-1 1,1-1,-2 0,1 1,-1-1,0 0,-1 1,0-1,-1 1,1 0,-2 0,1 0,-1 0,-4-6,-3 2,9 11</inkml:trace>
+  <inkml:trace contextRef="#ctx0" brushRef="#br0" timeOffset="1152.08">416 759,'-10'-1,"-1"2,0-1,1 1,-1 1,1 0,-1 0,-1 2,8-3,0 1,0 0,1 0,-1 0,0 1,1-1,0 1,0 0,0 0,0 0,0 0,0 0,1 1,0-1,-1 1,1 0,1 0,-1 0,0 2,-1 2,1 1,0 0,0 0,1 0,1 0,-1 0,1 1,1-1,0 0,0 0,1 0,2 6,-4-12,1 0,0 0,-1-1,2 1,-1-1,0 1,0-1,1 1,-1-1,1 0,0 0,0 0,-1 0,1 0,1 0,-1 0,0-1,0 1,1-1,-1 1,1-1,-1 0,1 0,-1 0,1 0,0-1,0 1,-1-1,1 1,0-1,0 0,-1 0,1-1,0 1,0 0,-1-1,1 0,0 1,-1-1,1 0,0 0,1-2,1 1,0-1,-1 0,1 0,-1-1,1 1,-1-1,-1 0,1 0,0 0,-1 0,0-1,0 0,0 1,-1-1,1 0,-1 0,-1 0,1-1,-1 1,1 0,-1-1,-1 1,1-4,0 0,-1 1,1-1,-2 0,1 1,-1-1,0 0,-1 1,0-1,-1 1,1 0,-2 0,1 0,-1 0,-4-6,-3 2,9 11</inkml:trace>
   <inkml:trace contextRef="#ctx0" brushRef="#br0" timeOffset="1963.52">733 469,'0'0,"-6"1,0-1,0 2,0-1,-1 1,2 0,-1 0,0 0,0 1,1 0,-1 0,1 0,0 1,0 0,0 0,1 0,-3 3,5-5,0 0,1 0,-1-1,1 1,-1 0,1 0,0 0,0 1,0-1,0 0,0 0,0 1,1-1,-1 0,1 1,-1-1,1 1,0-1,0 0,0 1,0-1,1 1,-1-1,1 0,-1 1,1-1,0 0,0 0,0 1,0-1,0 0,0 0,1 0,-1 0,1 0,0-1,-1 1,1 0,0-1,0 1,0-1,0 0,0 1,10 4,-1 0,1 0,0-1,0-1,5 2,-6-3,-1 0,0 1,0 0,0 1,0 0,-1 1,7 5,-14-9,1 0,-1 1,0 0,0 0,0-1,0 1,0 0,-1 1,1-1,-1 0,0 0,0 1,0-1,-1 0,1 1,-1-1,0 1,0-1,0 1,0-1,0 0,-1 1,0-1,1 1,-1-1,-1 0,1 1,0 1,-1-1,0 1,0-1,0 0,0 0,-1 0,1 0,-1 0,0 0,0 0,-1-1,1 0,-1 0,1 0,-1 0,-3 1,5-2,0-1,-1 0,1 0,0-1,-1 1,1 0,-1-1,1 0,0 1,-1-1,1 0,-1 0,1-1,-1 1,1 0,-1-1,1 1,0-1,-1 0,1 0,0 0,-1 0,1 0,0-1,0 1,0-1,0 1,0-1,1 0,-1 1,0-1,1-1,-8-8,2 2</inkml:trace>
   <inkml:trace contextRef="#ctx0" brushRef="#br0" timeOffset="2629.1">951 492,'0'-2,"0"1,0-1,0 1,0 0,0-1,-1 1,1 0,-1-1,1 1,-1 0,1 0,-1-1,0 1,0 0,0 0,1 0,-1 0,0 0,0 0,-1 0,1 0,0 1,0-1,0 0,0 1,-1-1,1 0,0 1,-1 0,1-1,0 1,-1 0,1 0,0-1,-1 1,1 0,0 0,-1 1,1-1,-2 0,-1 1,0-1,1 1,-1-1,0 1,0 0,0 1,1-1,-1 1,0-1,1 1,0 0,-1 0,-2 3,2 1,-1 0,1 0,0 1,1-1,0 1,0 0,0 0,1 0,0 1,0-1,0 1,1-1,1 1,-1-1,1 1,0-1,2 7,-2-9,1 0,0 0,0 1,1-1,0 0,-1 0,2 0,-1-1,1 1,-1 0,4 3,-3-5,-1 0,1-1,-1 1,1-1,0 0,0 0,0 0,0 0,0-1,0 1,1-1,-1 0,0 0,1 0,-1 0,1-1,-1 1,3-1,-3 0,0 1,0-1,0-1,0 1,0 0,1-1,-1 1,0-1,0 0,0 0,-1 0,1-1,0 1,0 0,-1-1,1 0,-1 0,1 0,-1 0,0 0,1 0,0-2,-1 0,1-1,-1 1,1-1,-1 0,-1 1,1-1,-1 0,1 0,-1 0,-1 0,1 0,-1 0,0-2,0-2,0 0,-1 0,0 1,-1-1,0 1,0-1,-1 1,-1-2,2 5,0 0,0 1,-1-1,1 1,-1 0,0 0,0 0,0 0,-1 1,0-1,1 1,-1 0,-1-1,-3 0</inkml:trace>
   <inkml:trace contextRef="#ctx0" brushRef="#br0" timeOffset="3214.06">969 1,'2'26,"1"-1,1 1,1-1,6 17,2 10,11 60,49 194,-73-306</inkml:trace>
@@ -499,7 +499,7 @@
   <inkml:trace contextRef="#ctx0" brushRef="#br0" timeOffset="7966.37">1038 878,'0'0,"0"0,9 19,18 31,-4-8,-3 0,-1 1,1 9,-17-43,-3-7</inkml:trace>
   <inkml:trace contextRef="#ctx0" brushRef="#br0" timeOffset="8293.58">1024 1067,'0'0,"0"0,0 0,1 0,1-1,3 0,4-4,6-2,5-4,5-3,2-2,-2-1,-4 3,-6 3</inkml:trace>
   <inkml:trace contextRef="#ctx0" brushRef="#br0" timeOffset="8656.41">1222 770,'9'21,"128"249,-136-268</inkml:trace>
-  <inkml:trace contextRef="#ctx0" brushRef="#br0" timeOffset="9352.35">1208 1003,'16'-14,"18"-10,28-14,-38 24,-1 0,0-1,-1-2,-1 0,12-13,-32 28,1 0,0 0,-1 0,0 0,1-1,-1 1,0 0,0-1,0 1,-1 0,1-1,0 0,-1 1,0-1,0 1,1-1,-2 1,1-1,0 0,0 2,-1-1,1 1,0 0,-1-1,0 1,1-1,-1 1,0 0,0-1,1 1,-1 0,0 0,0 0,0 0,-1 0,1 0,0 0,0 0,-1 0,1 1,0-1,-1 0,1 1,0-1,-1 1,1-1,-1 1,1 0,-1 0,1 0,-1 0,1 0,-2 0,1 0,0 0,0 1,0-1,0 1,-1-1,1 1,0 0,0 0,0 0,0 0,1 0,-1 0,0 1,0-1,1 0,-1 1,1 0,-1-1,1 1,-1 0,1 0,0 0,0 0,0 0,0 0,0 0,1 0,-1 0,1 0,-1 0,1 0,0 1,0 0,-2 5,2 0,-1 0,1 1,0-1,1 0,0 0,0 0,2 5,1-2,0 1,1 0,0-1,1 0,1 0,0-1,7 10,-11-16,1 1,0-1,0 0,0 0,0 0,0-1,1 1,0-1,0 0,-1-1,2 1,-1-1,0 0,0 0,1 0,-1-1,1 0,3 1,-6-3,0 1,0 0,0-1,0 0,0 1,0-1,0 0,0-1,0 1,0 0,-1-1,1 0,1 0,4-5</inkml:trace>
+  <inkml:trace contextRef="#ctx0" brushRef="#br0" timeOffset="9352.34">1208 1003,'16'-14,"18"-10,28-14,-38 24,-1 0,0-1,-1-2,-1 0,12-13,-32 28,1 0,0 0,-1 0,0 0,1-1,-1 1,0 0,0-1,0 1,-1 0,1-1,0 0,-1 1,0-1,0 1,1-1,-2 1,1-1,0 0,0 2,-1-1,1 1,0 0,-1-1,0 1,1-1,-1 1,0 0,0-1,1 1,-1 0,0 0,0 0,0 0,-1 0,1 0,0 0,0 0,-1 0,1 1,0-1,-1 0,1 1,0-1,-1 1,1-1,-1 1,1 0,-1 0,1 0,-1 0,1 0,-2 0,1 0,0 0,0 1,0-1,0 1,-1-1,1 1,0 0,0 0,0 0,0 0,1 0,-1 0,0 1,0-1,1 0,-1 1,1 0,-1-1,1 1,-1 0,1 0,0 0,0 0,0 0,0 0,0 0,1 0,-1 0,1 0,-1 0,1 0,0 1,0 0,-2 5,2 0,-1 0,1 1,0-1,1 0,0 0,0 0,2 5,1-2,0 1,1 0,0-1,1 0,1 0,0-1,7 10,-11-16,1 1,0-1,0 0,0 0,0 0,0-1,1 1,0-1,0 0,-1-1,2 1,-1-1,0 0,0 0,1 0,-1-1,1 0,3 1,-6-3,0 1,0 0,0-1,0 0,0 1,0-1,0 0,0-1,0 1,0 0,-1-1,1 0,1 0,4-5</inkml:trace>
   <inkml:trace contextRef="#ctx0" brushRef="#br0" timeOffset="10142.41">1579 712,'2'3,"0"0,0-1,0 1,0 0,0 0,-1 0,1 0,-1 0,1 2,4 7,-3-6,14 22,-1 1,-2 0,-1 1,-2 0,7 27,-52-102,19 17,2 0,-5-14,14 33,1-1,0 0,1-1,0 1,0 0,1-1,0 1,1-1,0-2,1 9,-1 1,1 0,0-1,0 1,0-1,0 1,0 0,1 0,-1 0,1 0,0 0,0 0,0 0,0 0,1 1,-1-1,1 1,0 0,-1-1,1 1,0 1,0-1,0 0,1 1,-1-1,0 1,0 0,1 0,-1 1,2-1,1 0,-1 1,0-1,1 1,-1 1,1-1,-1 1,0 0,1 0,-1 0,0 1,0 0,0 0,0 0,0 1,0-1,-1 1,1 0,-1 1,2 0,3 6,-1 0,0 1,0 0,-1 0,0 0,-1 1,0 0,2 8,0-1,2 1,7 11,-10-25,-6-6</inkml:trace>
   <inkml:trace contextRef="#ctx0" brushRef="#br0" timeOffset="11045.87">967 1661,'-15'-22,"13"20,0 0,0 0,-1 0,1 0,0 1,-1-1,0 1,1-1,-1 1,0 0,1 0,-1 1,0-1,0 0,0 1,1 0,-1 0,0 0,0 0,0 0,0 0,0 1,0-1,1 1,-1 0,0 0,0 0,1 0,-1 0,1 1,-1-1,1 1,-1 0,1 0,0-1,-1 2,0 1,-1-1,0 1,1 0,0 0,0 0,0 0,1 1,-1-1,1 1,0 0,1-1,-1 1,1 0,0 0,0 0,0 0,0 0,1 0,0 0,1 3,-1-1,2-1,-1 0,0 1,1-1,0 0,1 0,0-1,-1 1,2 0,-1-1,1 0,0 1,0-2,0 1,0 0,1-1,0 0,0 0,0 0,1-1,-1 1,1-1,0-1,-1 1,1-1,1 0,-1 0,0-1,0 0,1 0,-1 0,0-1,1 0,-1 0,1 0,-1-1,0 0,1-1,-1 1,0-1,0 0,0-1,0 1,-1-1,3-2,6-4,-4 1</inkml:trace>
   <inkml:trace contextRef="#ctx0" brushRef="#br0" timeOffset="11464.71">1031 1445,'1'5,"1"0,-1 0,1 0,0-1,0 1,1-1,-1 1,1-1,1 2,7 11,29 65,-23-44,2 0,1-1,3-1,17 21,-37-52,0-3</inkml:trace>
@@ -32612,6 +32612,186 @@
                       </p:childTnLst>
                     </p:cTn>
                   </p:par>
+                  <p:par>
+                    <p:cTn id="35" fill="hold">
+                      <p:stCondLst>
+                        <p:cond delay="indefinite"/>
+                      </p:stCondLst>
+                      <p:childTnLst>
+                        <p:par>
+                          <p:cTn id="36" fill="hold">
+                            <p:stCondLst>
+                              <p:cond delay="0"/>
+                            </p:stCondLst>
+                            <p:childTnLst>
+                              <p:par>
+                                <p:cTn id="37" presetID="1" presetClass="entr" presetSubtype="0" fill="hold" grpId="0" nodeType="clickEffect">
+                                  <p:stCondLst>
+                                    <p:cond delay="0"/>
+                                  </p:stCondLst>
+                                  <p:childTnLst>
+                                    <p:set>
+                                      <p:cBhvr>
+                                        <p:cTn id="38" dur="1" fill="hold">
+                                          <p:stCondLst>
+                                            <p:cond delay="0"/>
+                                          </p:stCondLst>
+                                        </p:cTn>
+                                        <p:tgtEl>
+                                          <p:spTgt spid="29"/>
+                                        </p:tgtEl>
+                                        <p:attrNameLst>
+                                          <p:attrName>style.visibility</p:attrName>
+                                        </p:attrNameLst>
+                                      </p:cBhvr>
+                                      <p:to>
+                                        <p:strVal val="visible"/>
+                                      </p:to>
+                                    </p:set>
+                                  </p:childTnLst>
+                                </p:cTn>
+                              </p:par>
+                              <p:par>
+                                <p:cTn id="39" presetID="1" presetClass="entr" presetSubtype="0" fill="hold" nodeType="withEffect">
+                                  <p:stCondLst>
+                                    <p:cond delay="0"/>
+                                  </p:stCondLst>
+                                  <p:childTnLst>
+                                    <p:set>
+                                      <p:cBhvr>
+                                        <p:cTn id="40" dur="1" fill="hold">
+                                          <p:stCondLst>
+                                            <p:cond delay="0"/>
+                                          </p:stCondLst>
+                                        </p:cTn>
+                                        <p:tgtEl>
+                                          <p:spTgt spid="63"/>
+                                        </p:tgtEl>
+                                        <p:attrNameLst>
+                                          <p:attrName>style.visibility</p:attrName>
+                                        </p:attrNameLst>
+                                      </p:cBhvr>
+                                      <p:to>
+                                        <p:strVal val="visible"/>
+                                      </p:to>
+                                    </p:set>
+                                  </p:childTnLst>
+                                </p:cTn>
+                              </p:par>
+                              <p:par>
+                                <p:cTn id="41" presetID="1" presetClass="entr" presetSubtype="0" fill="hold" nodeType="withEffect">
+                                  <p:stCondLst>
+                                    <p:cond delay="0"/>
+                                  </p:stCondLst>
+                                  <p:childTnLst>
+                                    <p:set>
+                                      <p:cBhvr>
+                                        <p:cTn id="42" dur="1" fill="hold">
+                                          <p:stCondLst>
+                                            <p:cond delay="0"/>
+                                          </p:stCondLst>
+                                        </p:cTn>
+                                        <p:tgtEl>
+                                          <p:spTgt spid="72"/>
+                                        </p:tgtEl>
+                                        <p:attrNameLst>
+                                          <p:attrName>style.visibility</p:attrName>
+                                        </p:attrNameLst>
+                                      </p:cBhvr>
+                                      <p:to>
+                                        <p:strVal val="visible"/>
+                                      </p:to>
+                                    </p:set>
+                                  </p:childTnLst>
+                                </p:cTn>
+                              </p:par>
+                              <p:par>
+                                <p:cTn id="43" presetID="1" presetClass="entr" presetSubtype="0" fill="hold" nodeType="withEffect">
+                                  <p:stCondLst>
+                                    <p:cond delay="0"/>
+                                  </p:stCondLst>
+                                  <p:childTnLst>
+                                    <p:set>
+                                      <p:cBhvr>
+                                        <p:cTn id="44" dur="1" fill="hold">
+                                          <p:stCondLst>
+                                            <p:cond delay="0"/>
+                                          </p:stCondLst>
+                                        </p:cTn>
+                                        <p:tgtEl>
+                                          <p:spTgt spid="62"/>
+                                        </p:tgtEl>
+                                        <p:attrNameLst>
+                                          <p:attrName>style.visibility</p:attrName>
+                                        </p:attrNameLst>
+                                      </p:cBhvr>
+                                      <p:to>
+                                        <p:strVal val="visible"/>
+                                      </p:to>
+                                    </p:set>
+                                  </p:childTnLst>
+                                </p:cTn>
+                              </p:par>
+                              <p:par>
+                                <p:cTn id="45" presetID="1" presetClass="entr" presetSubtype="0" fill="hold" nodeType="withEffect">
+                                  <p:stCondLst>
+                                    <p:cond delay="0"/>
+                                  </p:stCondLst>
+                                  <p:childTnLst>
+                                    <p:set>
+                                      <p:cBhvr>
+                                        <p:cTn id="46" dur="1" fill="hold">
+                                          <p:stCondLst>
+                                            <p:cond delay="0"/>
+                                          </p:stCondLst>
+                                        </p:cTn>
+                                        <p:tgtEl>
+                                          <p:spTgt spid="72"/>
+                                        </p:tgtEl>
+                                        <p:attrNameLst>
+                                          <p:attrName>style.visibility</p:attrName>
+                                        </p:attrNameLst>
+                                      </p:cBhvr>
+                                      <p:to>
+                                        <p:strVal val="visible"/>
+                                      </p:to>
+                                    </p:set>
+                                  </p:childTnLst>
+                                </p:cTn>
+                              </p:par>
+                              <p:par>
+                                <p:cTn id="47" presetID="1" presetClass="entr" presetSubtype="0" fill="hold" nodeType="withEffect">
+                                  <p:stCondLst>
+                                    <p:cond delay="0"/>
+                                  </p:stCondLst>
+                                  <p:childTnLst>
+                                    <p:set>
+                                      <p:cBhvr>
+                                        <p:cTn id="48" dur="1" fill="hold">
+                                          <p:stCondLst>
+                                            <p:cond delay="0"/>
+                                          </p:stCondLst>
+                                        </p:cTn>
+                                        <p:tgtEl>
+                                          <p:spTgt spid="71"/>
+                                        </p:tgtEl>
+                                        <p:attrNameLst>
+                                          <p:attrName>style.visibility</p:attrName>
+                                        </p:attrNameLst>
+                                      </p:cBhvr>
+                                      <p:to>
+                                        <p:strVal val="visible"/>
+                                      </p:to>
+                                    </p:set>
+                                  </p:childTnLst>
+                                </p:cTn>
+                              </p:par>
+                            </p:childTnLst>
+                          </p:cTn>
+                        </p:par>
+                      </p:childTnLst>
+                    </p:cTn>
+                  </p:par>
                 </p:childTnLst>
               </p:cTn>
               <p:prevCondLst>
@@ -32635,6 +32815,7 @@
     </p:tnLst>
     <p:bldLst>
       <p:bldP spid="10" grpId="0" uiExpand="1" build="p"/>
+      <p:bldP spid="29" grpId="0"/>
     </p:bldLst>
   </p:timing>
 </p:sld>
